--- a/images/guide.pptx
+++ b/images/guide.pptx
@@ -6,6 +6,8 @@
   </p:sldMasterIdLst>
   <p:sldIdLst>
     <p:sldId id="257" r:id="rId2"/>
+    <p:sldId id="259" r:id="rId3"/>
+    <p:sldId id="260" r:id="rId4"/>
   </p:sldIdLst>
   <p:sldSz cx="12192000" cy="6858000"/>
   <p:notesSz cx="6858000" cy="9144000"/>
@@ -265,7 +267,7 @@
           <a:p>
             <a:fld id="{C128FA71-3A18-48C0-980F-4B68F7F63042}" type="datetime1">
               <a:rPr lang="en-US" smtClean="0"/>
-              <a:t>07-Sep-25</a:t>
+              <a:t>15-Sep-25</a:t>
             </a:fld>
             <a:endParaRPr lang="en-US"/>
           </a:p>
@@ -473,7 +475,7 @@
           <a:p>
             <a:fld id="{7104EDB3-C0E8-45F8-9E1D-1B6C8D1880C0}" type="datetime1">
               <a:rPr lang="en-US" smtClean="0"/>
-              <a:t>07-Sep-25</a:t>
+              <a:t>15-Sep-25</a:t>
             </a:fld>
             <a:endParaRPr lang="en-US"/>
           </a:p>
@@ -683,7 +685,7 @@
           <a:p>
             <a:fld id="{9CF0EC4B-54ED-4041-B552-9BA760FA3DBA}" type="datetime1">
               <a:rPr lang="en-US" smtClean="0"/>
-              <a:t>07-Sep-25</a:t>
+              <a:t>15-Sep-25</a:t>
             </a:fld>
             <a:endParaRPr lang="en-US"/>
           </a:p>
@@ -881,7 +883,7 @@
           <a:p>
             <a:fld id="{51C1210E-201E-4473-82AC-2466F5386C38}" type="datetime1">
               <a:rPr lang="en-US" smtClean="0"/>
-              <a:t>07-Sep-25</a:t>
+              <a:t>15-Sep-25</a:t>
             </a:fld>
             <a:endParaRPr lang="en-US"/>
           </a:p>
@@ -1159,7 +1161,7 @@
           <a:p>
             <a:fld id="{B01EA198-6CAB-4B8F-B93F-1F9C8C4B6CE7}" type="datetime1">
               <a:rPr lang="en-US" smtClean="0"/>
-              <a:t>07-Sep-25</a:t>
+              <a:t>15-Sep-25</a:t>
             </a:fld>
             <a:endParaRPr lang="en-US"/>
           </a:p>
@@ -1431,7 +1433,7 @@
           <a:p>
             <a:fld id="{CA06041F-4525-44D5-AA4F-332294BF1F56}" type="datetime1">
               <a:rPr lang="en-US" smtClean="0"/>
-              <a:t>07-Sep-25</a:t>
+              <a:t>15-Sep-25</a:t>
             </a:fld>
             <a:endParaRPr lang="en-US"/>
           </a:p>
@@ -1855,7 +1857,7 @@
           <a:p>
             <a:fld id="{F9557091-BBDF-4EB9-BA6B-2BB67AC4FC0F}" type="datetime1">
               <a:rPr lang="en-US" smtClean="0"/>
-              <a:t>07-Sep-25</a:t>
+              <a:t>15-Sep-25</a:t>
             </a:fld>
             <a:endParaRPr lang="en-US"/>
           </a:p>
@@ -1996,7 +1998,7 @@
           <a:p>
             <a:fld id="{2D6B226B-77A6-410C-9796-083F278E0125}" type="datetime1">
               <a:rPr lang="en-US" smtClean="0"/>
-              <a:t>07-Sep-25</a:t>
+              <a:t>15-Sep-25</a:t>
             </a:fld>
             <a:endParaRPr lang="en-US"/>
           </a:p>
@@ -2109,7 +2111,7 @@
           <a:p>
             <a:fld id="{A23A578B-D289-4C40-8593-3D356C49DA58}" type="datetime1">
               <a:rPr lang="en-US" smtClean="0"/>
-              <a:t>07-Sep-25</a:t>
+              <a:t>15-Sep-25</a:t>
             </a:fld>
             <a:endParaRPr lang="en-US"/>
           </a:p>
@@ -2428,7 +2430,7 @@
           <a:p>
             <a:fld id="{713DFAE3-14DB-48A7-A80F-80DDB072CE3D}" type="datetime1">
               <a:rPr lang="en-US" smtClean="0"/>
-              <a:t>07-Sep-25</a:t>
+              <a:t>15-Sep-25</a:t>
             </a:fld>
             <a:endParaRPr lang="en-US"/>
           </a:p>
@@ -2722,7 +2724,7 @@
           <a:p>
             <a:fld id="{92C5EAEF-6478-4102-8F5D-A5FE9FC97ACB}" type="datetime1">
               <a:rPr lang="en-US" smtClean="0"/>
-              <a:t>07-Sep-25</a:t>
+              <a:t>15-Sep-25</a:t>
             </a:fld>
             <a:endParaRPr lang="en-US"/>
           </a:p>
@@ -2963,7 +2965,7 @@
           <a:p>
             <a:fld id="{67F45AC6-C491-4585-A584-9CE2AF7D5500}" type="datetime1">
               <a:rPr lang="en-US" smtClean="0"/>
-              <a:t>07-Sep-25</a:t>
+              <a:t>15-Sep-25</a:t>
             </a:fld>
             <a:endParaRPr lang="en-US"/>
           </a:p>
@@ -3525,7 +3527,7 @@
             <a:lstStyle/>
             <a:p>
               <a:pPr algn="ctr"/>
-              <a:endParaRPr lang="es-ES"/>
+              <a:endParaRPr lang="es-ES" dirty="0"/>
             </a:p>
           </p:txBody>
         </p:sp>
@@ -3641,6 +3643,563 @@
     <p:extLst>
       <p:ext uri="{BB962C8B-B14F-4D97-AF65-F5344CB8AC3E}">
         <p14:creationId xmlns:p14="http://schemas.microsoft.com/office/powerpoint/2010/main" val="1849240484"/>
+      </p:ext>
+    </p:extLst>
+  </p:cSld>
+  <p:clrMapOvr>
+    <a:masterClrMapping/>
+  </p:clrMapOvr>
+</p:sld>
+</file>
+
+<file path=ppt/slides/slide2.xml><?xml version="1.0" encoding="utf-8"?>
+<p:sld xmlns:a="http://schemas.openxmlformats.org/drawingml/2006/main" xmlns:r="http://schemas.openxmlformats.org/officeDocument/2006/relationships" xmlns:p="http://schemas.openxmlformats.org/presentationml/2006/main">
+  <p:cSld>
+    <p:spTree>
+      <p:nvGrpSpPr>
+        <p:cNvPr id="1" name=""/>
+        <p:cNvGrpSpPr/>
+        <p:nvPr/>
+      </p:nvGrpSpPr>
+      <p:grpSpPr>
+        <a:xfrm>
+          <a:off x="0" y="0"/>
+          <a:ext cx="0" cy="0"/>
+          <a:chOff x="0" y="0"/>
+          <a:chExt cx="0" cy="0"/>
+        </a:xfrm>
+      </p:grpSpPr>
+      <p:grpSp>
+        <p:nvGrpSpPr>
+          <p:cNvPr id="12" name="Group 11">
+            <a:extLst>
+              <a:ext uri="{FF2B5EF4-FFF2-40B4-BE49-F238E27FC236}">
+                <a16:creationId xmlns:a16="http://schemas.microsoft.com/office/drawing/2014/main" id="{C9CEC6C9-3D53-FFC6-7C95-E882AA0F7B19}"/>
+              </a:ext>
+            </a:extLst>
+          </p:cNvPr>
+          <p:cNvGrpSpPr/>
+          <p:nvPr/>
+        </p:nvGrpSpPr>
+        <p:grpSpPr>
+          <a:xfrm>
+            <a:off x="1091952" y="577049"/>
+            <a:ext cx="4158000" cy="3600000"/>
+            <a:chOff x="1091952" y="577049"/>
+            <a:chExt cx="4158000" cy="3600000"/>
+          </a:xfrm>
+        </p:grpSpPr>
+        <p:sp>
+          <p:nvSpPr>
+            <p:cNvPr id="2" name="Isosceles Triangle 1">
+              <a:extLst>
+                <a:ext uri="{FF2B5EF4-FFF2-40B4-BE49-F238E27FC236}">
+                  <a16:creationId xmlns:a16="http://schemas.microsoft.com/office/drawing/2014/main" id="{867BFD87-44C0-DE38-66FB-B2748391B1FD}"/>
+                </a:ext>
+              </a:extLst>
+            </p:cNvPr>
+            <p:cNvSpPr/>
+            <p:nvPr/>
+          </p:nvSpPr>
+          <p:spPr>
+            <a:xfrm>
+              <a:off x="1091952" y="577049"/>
+              <a:ext cx="4158000" cy="3600000"/>
+            </a:xfrm>
+            <a:prstGeom prst="triangle">
+              <a:avLst/>
+            </a:prstGeom>
+            <a:gradFill flip="none" rotWithShape="1">
+              <a:gsLst>
+                <a:gs pos="0">
+                  <a:srgbClr val="ADB29C">
+                    <a:tint val="66000"/>
+                    <a:satMod val="160000"/>
+                  </a:srgbClr>
+                </a:gs>
+                <a:gs pos="50000">
+                  <a:srgbClr val="ADB29C">
+                    <a:tint val="44500"/>
+                    <a:satMod val="160000"/>
+                  </a:srgbClr>
+                </a:gs>
+                <a:gs pos="100000">
+                  <a:srgbClr val="ADB29C">
+                    <a:tint val="23500"/>
+                    <a:satMod val="160000"/>
+                  </a:srgbClr>
+                </a:gs>
+              </a:gsLst>
+              <a:path path="circle">
+                <a:fillToRect l="50000" t="50000" r="50000" b="50000"/>
+              </a:path>
+              <a:tileRect/>
+            </a:gradFill>
+            <a:ln>
+              <a:solidFill>
+                <a:schemeClr val="bg2">
+                  <a:lumMod val="50000"/>
+                </a:schemeClr>
+              </a:solidFill>
+            </a:ln>
+          </p:spPr>
+          <p:style>
+            <a:lnRef idx="2">
+              <a:schemeClr val="accent1">
+                <a:shade val="15000"/>
+              </a:schemeClr>
+            </a:lnRef>
+            <a:fillRef idx="1">
+              <a:schemeClr val="accent1"/>
+            </a:fillRef>
+            <a:effectRef idx="0">
+              <a:schemeClr val="accent1"/>
+            </a:effectRef>
+            <a:fontRef idx="minor">
+              <a:schemeClr val="lt1"/>
+            </a:fontRef>
+          </p:style>
+          <p:txBody>
+            <a:bodyPr rtlCol="0" anchor="ctr"/>
+            <a:lstStyle/>
+            <a:p>
+              <a:pPr algn="ctr"/>
+              <a:endParaRPr lang="es-ES"/>
+            </a:p>
+          </p:txBody>
+        </p:sp>
+        <p:sp>
+          <p:nvSpPr>
+            <p:cNvPr id="5" name="Rectangle: Rounded Corners 4">
+              <a:extLst>
+                <a:ext uri="{FF2B5EF4-FFF2-40B4-BE49-F238E27FC236}">
+                  <a16:creationId xmlns:a16="http://schemas.microsoft.com/office/drawing/2014/main" id="{1227A48B-1778-6EA7-D547-185935EAE280}"/>
+                </a:ext>
+              </a:extLst>
+            </p:cNvPr>
+            <p:cNvSpPr/>
+            <p:nvPr/>
+          </p:nvSpPr>
+          <p:spPr>
+            <a:xfrm>
+              <a:off x="1979721" y="1766656"/>
+              <a:ext cx="2396970" cy="2410393"/>
+            </a:xfrm>
+            <a:prstGeom prst="roundRect">
+              <a:avLst>
+                <a:gd name="adj" fmla="val 50000"/>
+              </a:avLst>
+            </a:prstGeom>
+            <a:blipFill dpi="0" rotWithShape="1">
+              <a:blip r:embed="rId2">
+                <a:extLst>
+                  <a:ext uri="{28A0092B-C50C-407E-A947-70E740481C1C}">
+                    <a14:useLocalDpi xmlns:a14="http://schemas.microsoft.com/office/drawing/2010/main" val="0"/>
+                  </a:ext>
+                </a:extLst>
+              </a:blip>
+              <a:srcRect/>
+              <a:stretch>
+                <a:fillRect/>
+              </a:stretch>
+            </a:blipFill>
+            <a:ln>
+              <a:noFill/>
+            </a:ln>
+            <a:effectLst>
+              <a:softEdge rad="127000"/>
+            </a:effectLst>
+          </p:spPr>
+          <p:style>
+            <a:lnRef idx="2">
+              <a:schemeClr val="accent1">
+                <a:shade val="15000"/>
+              </a:schemeClr>
+            </a:lnRef>
+            <a:fillRef idx="1">
+              <a:schemeClr val="accent1"/>
+            </a:fillRef>
+            <a:effectRef idx="0">
+              <a:schemeClr val="accent1"/>
+            </a:effectRef>
+            <a:fontRef idx="minor">
+              <a:schemeClr val="lt1"/>
+            </a:fontRef>
+          </p:style>
+          <p:txBody>
+            <a:bodyPr rtlCol="0" anchor="ctr"/>
+            <a:lstStyle/>
+            <a:p>
+              <a:pPr algn="ctr"/>
+              <a:endParaRPr lang="es-ES"/>
+            </a:p>
+          </p:txBody>
+        </p:sp>
+      </p:grpSp>
+      <p:grpSp>
+        <p:nvGrpSpPr>
+          <p:cNvPr id="13" name="Group 12">
+            <a:extLst>
+              <a:ext uri="{FF2B5EF4-FFF2-40B4-BE49-F238E27FC236}">
+                <a16:creationId xmlns:a16="http://schemas.microsoft.com/office/drawing/2014/main" id="{21E81D32-F8DA-0A50-259C-0227C5B95F51}"/>
+              </a:ext>
+            </a:extLst>
+          </p:cNvPr>
+          <p:cNvGrpSpPr/>
+          <p:nvPr/>
+        </p:nvGrpSpPr>
+        <p:grpSpPr>
+          <a:xfrm>
+            <a:off x="5249952" y="577049"/>
+            <a:ext cx="4158000" cy="3600000"/>
+            <a:chOff x="5249952" y="577049"/>
+            <a:chExt cx="4158000" cy="3600000"/>
+          </a:xfrm>
+        </p:grpSpPr>
+        <p:sp>
+          <p:nvSpPr>
+            <p:cNvPr id="6" name="Isosceles Triangle 5">
+              <a:extLst>
+                <a:ext uri="{FF2B5EF4-FFF2-40B4-BE49-F238E27FC236}">
+                  <a16:creationId xmlns:a16="http://schemas.microsoft.com/office/drawing/2014/main" id="{83C96CDD-7464-865F-AC10-FB2ABC1B2C15}"/>
+                </a:ext>
+              </a:extLst>
+            </p:cNvPr>
+            <p:cNvSpPr/>
+            <p:nvPr/>
+          </p:nvSpPr>
+          <p:spPr>
+            <a:xfrm>
+              <a:off x="5249952" y="577049"/>
+              <a:ext cx="4158000" cy="3600000"/>
+            </a:xfrm>
+            <a:prstGeom prst="triangle">
+              <a:avLst/>
+            </a:prstGeom>
+            <a:gradFill flip="none" rotWithShape="1">
+              <a:gsLst>
+                <a:gs pos="0">
+                  <a:srgbClr val="AA7145">
+                    <a:tint val="66000"/>
+                    <a:satMod val="160000"/>
+                  </a:srgbClr>
+                </a:gs>
+                <a:gs pos="50000">
+                  <a:srgbClr val="AA7145">
+                    <a:tint val="44500"/>
+                    <a:satMod val="160000"/>
+                  </a:srgbClr>
+                </a:gs>
+                <a:gs pos="100000">
+                  <a:srgbClr val="AA7145">
+                    <a:tint val="23500"/>
+                    <a:satMod val="160000"/>
+                  </a:srgbClr>
+                </a:gs>
+              </a:gsLst>
+              <a:path path="circle">
+                <a:fillToRect l="50000" t="50000" r="50000" b="50000"/>
+              </a:path>
+              <a:tileRect/>
+            </a:gradFill>
+            <a:ln>
+              <a:solidFill>
+                <a:schemeClr val="bg2">
+                  <a:lumMod val="50000"/>
+                </a:schemeClr>
+              </a:solidFill>
+            </a:ln>
+          </p:spPr>
+          <p:style>
+            <a:lnRef idx="2">
+              <a:schemeClr val="accent1">
+                <a:shade val="15000"/>
+              </a:schemeClr>
+            </a:lnRef>
+            <a:fillRef idx="1">
+              <a:schemeClr val="accent1"/>
+            </a:fillRef>
+            <a:effectRef idx="0">
+              <a:schemeClr val="accent1"/>
+            </a:effectRef>
+            <a:fontRef idx="minor">
+              <a:schemeClr val="lt1"/>
+            </a:fontRef>
+          </p:style>
+          <p:txBody>
+            <a:bodyPr rtlCol="0" anchor="ctr"/>
+            <a:lstStyle/>
+            <a:p>
+              <a:pPr algn="ctr"/>
+              <a:endParaRPr lang="es-ES"/>
+            </a:p>
+          </p:txBody>
+        </p:sp>
+        <p:sp>
+          <p:nvSpPr>
+            <p:cNvPr id="8" name="Oval 7">
+              <a:extLst>
+                <a:ext uri="{FF2B5EF4-FFF2-40B4-BE49-F238E27FC236}">
+                  <a16:creationId xmlns:a16="http://schemas.microsoft.com/office/drawing/2014/main" id="{5F8DBE7A-A6E3-C43C-1100-369B29217F0D}"/>
+                </a:ext>
+              </a:extLst>
+            </p:cNvPr>
+            <p:cNvSpPr/>
+            <p:nvPr/>
+          </p:nvSpPr>
+          <p:spPr>
+            <a:xfrm>
+              <a:off x="6443734" y="1242051"/>
+              <a:ext cx="1770435" cy="2934998"/>
+            </a:xfrm>
+            <a:prstGeom prst="ellipse">
+              <a:avLst/>
+            </a:prstGeom>
+            <a:blipFill dpi="0" rotWithShape="1">
+              <a:blip r:embed="rId3">
+                <a:extLst>
+                  <a:ext uri="{28A0092B-C50C-407E-A947-70E740481C1C}">
+                    <a14:useLocalDpi xmlns:a14="http://schemas.microsoft.com/office/drawing/2010/main" val="0"/>
+                  </a:ext>
+                </a:extLst>
+              </a:blip>
+              <a:srcRect/>
+              <a:stretch>
+                <a:fillRect/>
+              </a:stretch>
+            </a:blipFill>
+            <a:ln>
+              <a:noFill/>
+            </a:ln>
+            <a:effectLst>
+              <a:softEdge rad="63500"/>
+            </a:effectLst>
+          </p:spPr>
+          <p:style>
+            <a:lnRef idx="2">
+              <a:schemeClr val="accent1">
+                <a:shade val="15000"/>
+              </a:schemeClr>
+            </a:lnRef>
+            <a:fillRef idx="1">
+              <a:schemeClr val="accent1"/>
+            </a:fillRef>
+            <a:effectRef idx="0">
+              <a:schemeClr val="accent1"/>
+            </a:effectRef>
+            <a:fontRef idx="minor">
+              <a:schemeClr val="lt1"/>
+            </a:fontRef>
+          </p:style>
+          <p:txBody>
+            <a:bodyPr rtlCol="0" anchor="ctr"/>
+            <a:lstStyle/>
+            <a:p>
+              <a:pPr algn="ctr"/>
+              <a:endParaRPr lang="es-ES" dirty="0"/>
+            </a:p>
+          </p:txBody>
+        </p:sp>
+      </p:grpSp>
+      <p:grpSp>
+        <p:nvGrpSpPr>
+          <p:cNvPr id="11" name="Group 10">
+            <a:extLst>
+              <a:ext uri="{FF2B5EF4-FFF2-40B4-BE49-F238E27FC236}">
+                <a16:creationId xmlns:a16="http://schemas.microsoft.com/office/drawing/2014/main" id="{908ECEAF-7F50-CE91-5E42-EF4540ABEFDC}"/>
+              </a:ext>
+            </a:extLst>
+          </p:cNvPr>
+          <p:cNvGrpSpPr/>
+          <p:nvPr/>
+        </p:nvGrpSpPr>
+        <p:grpSpPr>
+          <a:xfrm>
+            <a:off x="495061" y="2789068"/>
+            <a:ext cx="4158000" cy="3600000"/>
+            <a:chOff x="495061" y="2789068"/>
+            <a:chExt cx="4158000" cy="3600000"/>
+          </a:xfrm>
+        </p:grpSpPr>
+        <p:sp>
+          <p:nvSpPr>
+            <p:cNvPr id="9" name="Isosceles Triangle 8">
+              <a:extLst>
+                <a:ext uri="{FF2B5EF4-FFF2-40B4-BE49-F238E27FC236}">
+                  <a16:creationId xmlns:a16="http://schemas.microsoft.com/office/drawing/2014/main" id="{46A5D45D-1EBE-A71D-0A99-7AC111F06893}"/>
+                </a:ext>
+              </a:extLst>
+            </p:cNvPr>
+            <p:cNvSpPr/>
+            <p:nvPr/>
+          </p:nvSpPr>
+          <p:spPr>
+            <a:xfrm>
+              <a:off x="495061" y="2789068"/>
+              <a:ext cx="4158000" cy="3600000"/>
+            </a:xfrm>
+            <a:prstGeom prst="triangle">
+              <a:avLst/>
+            </a:prstGeom>
+            <a:gradFill flip="none" rotWithShape="1">
+              <a:gsLst>
+                <a:gs pos="0">
+                  <a:srgbClr val="F9B18B">
+                    <a:tint val="66000"/>
+                    <a:satMod val="160000"/>
+                  </a:srgbClr>
+                </a:gs>
+                <a:gs pos="50000">
+                  <a:srgbClr val="F9B18B">
+                    <a:tint val="44500"/>
+                    <a:satMod val="160000"/>
+                  </a:srgbClr>
+                </a:gs>
+                <a:gs pos="100000">
+                  <a:srgbClr val="F9B18B">
+                    <a:tint val="23500"/>
+                    <a:satMod val="160000"/>
+                  </a:srgbClr>
+                </a:gs>
+              </a:gsLst>
+              <a:path path="circle">
+                <a:fillToRect l="50000" t="50000" r="50000" b="50000"/>
+              </a:path>
+              <a:tileRect/>
+            </a:gradFill>
+            <a:ln>
+              <a:solidFill>
+                <a:schemeClr val="bg2">
+                  <a:lumMod val="50000"/>
+                </a:schemeClr>
+              </a:solidFill>
+            </a:ln>
+          </p:spPr>
+          <p:style>
+            <a:lnRef idx="2">
+              <a:schemeClr val="accent1">
+                <a:shade val="15000"/>
+              </a:schemeClr>
+            </a:lnRef>
+            <a:fillRef idx="1">
+              <a:schemeClr val="accent1"/>
+            </a:fillRef>
+            <a:effectRef idx="0">
+              <a:schemeClr val="accent1"/>
+            </a:effectRef>
+            <a:fontRef idx="minor">
+              <a:schemeClr val="lt1"/>
+            </a:fontRef>
+          </p:style>
+          <p:txBody>
+            <a:bodyPr rtlCol="0" anchor="ctr"/>
+            <a:lstStyle/>
+            <a:p>
+              <a:pPr algn="ctr"/>
+              <a:endParaRPr lang="es-ES"/>
+            </a:p>
+          </p:txBody>
+        </p:sp>
+        <p:sp>
+          <p:nvSpPr>
+            <p:cNvPr id="10" name="Oval 9">
+              <a:extLst>
+                <a:ext uri="{FF2B5EF4-FFF2-40B4-BE49-F238E27FC236}">
+                  <a16:creationId xmlns:a16="http://schemas.microsoft.com/office/drawing/2014/main" id="{4C7F8BCB-1BF9-7BB0-F1D5-8F8C2C7EF520}"/>
+                </a:ext>
+              </a:extLst>
+            </p:cNvPr>
+            <p:cNvSpPr/>
+            <p:nvPr/>
+          </p:nvSpPr>
+          <p:spPr>
+            <a:xfrm>
+              <a:off x="1375576" y="3968542"/>
+              <a:ext cx="2396970" cy="2410393"/>
+            </a:xfrm>
+            <a:prstGeom prst="ellipse">
+              <a:avLst/>
+            </a:prstGeom>
+            <a:blipFill dpi="0" rotWithShape="1">
+              <a:blip r:embed="rId4">
+                <a:extLst>
+                  <a:ext uri="{28A0092B-C50C-407E-A947-70E740481C1C}">
+                    <a14:useLocalDpi xmlns:a14="http://schemas.microsoft.com/office/drawing/2010/main" val="0"/>
+                  </a:ext>
+                </a:extLst>
+              </a:blip>
+              <a:srcRect/>
+              <a:stretch>
+                <a:fillRect/>
+              </a:stretch>
+            </a:blipFill>
+            <a:ln>
+              <a:noFill/>
+            </a:ln>
+            <a:effectLst>
+              <a:softEdge rad="63500"/>
+            </a:effectLst>
+          </p:spPr>
+          <p:style>
+            <a:lnRef idx="2">
+              <a:schemeClr val="accent1">
+                <a:shade val="15000"/>
+              </a:schemeClr>
+            </a:lnRef>
+            <a:fillRef idx="1">
+              <a:schemeClr val="accent1"/>
+            </a:fillRef>
+            <a:effectRef idx="0">
+              <a:schemeClr val="accent1"/>
+            </a:effectRef>
+            <a:fontRef idx="minor">
+              <a:schemeClr val="lt1"/>
+            </a:fontRef>
+          </p:style>
+          <p:txBody>
+            <a:bodyPr rtlCol="0" anchor="ctr"/>
+            <a:lstStyle/>
+            <a:p>
+              <a:pPr algn="ctr"/>
+              <a:endParaRPr lang="es-ES"/>
+            </a:p>
+          </p:txBody>
+        </p:sp>
+      </p:grpSp>
+    </p:spTree>
+    <p:extLst>
+      <p:ext uri="{BB962C8B-B14F-4D97-AF65-F5344CB8AC3E}">
+        <p14:creationId xmlns:p14="http://schemas.microsoft.com/office/powerpoint/2010/main" val="519847305"/>
+      </p:ext>
+    </p:extLst>
+  </p:cSld>
+  <p:clrMapOvr>
+    <a:masterClrMapping/>
+  </p:clrMapOvr>
+</p:sld>
+</file>
+
+<file path=ppt/slides/slide3.xml><?xml version="1.0" encoding="utf-8"?>
+<p:sld xmlns:a="http://schemas.openxmlformats.org/drawingml/2006/main" xmlns:r="http://schemas.openxmlformats.org/officeDocument/2006/relationships" xmlns:p="http://schemas.openxmlformats.org/presentationml/2006/main">
+  <p:cSld>
+    <p:spTree>
+      <p:nvGrpSpPr>
+        <p:cNvPr id="1" name=""/>
+        <p:cNvGrpSpPr/>
+        <p:nvPr/>
+      </p:nvGrpSpPr>
+      <p:grpSpPr>
+        <a:xfrm>
+          <a:off x="0" y="0"/>
+          <a:ext cx="0" cy="0"/>
+          <a:chOff x="0" y="0"/>
+          <a:chExt cx="0" cy="0"/>
+        </a:xfrm>
+      </p:grpSpPr>
+    </p:spTree>
+    <p:extLst>
+      <p:ext uri="{BB962C8B-B14F-4D97-AF65-F5344CB8AC3E}">
+        <p14:creationId xmlns:p14="http://schemas.microsoft.com/office/powerpoint/2010/main" val="2597864378"/>
       </p:ext>
     </p:extLst>
   </p:cSld>
